--- a/resources/notes/genomic-data-visualization-Lesson_4.pptx
+++ b/resources/notes/genomic-data-visualization-Lesson_4.pptx
@@ -5,7 +5,7 @@
     <p:sldMasterId id="2147483648" r:id="rId1"/>
   </p:sldMasterIdLst>
   <p:notesMasterIdLst>
-    <p:notesMasterId r:id="rId19"/>
+    <p:notesMasterId r:id="rId20"/>
   </p:notesMasterIdLst>
   <p:sldIdLst>
     <p:sldId id="298" r:id="rId2"/>
@@ -24,7 +24,8 @@
     <p:sldId id="365" r:id="rId15"/>
     <p:sldId id="366" r:id="rId16"/>
     <p:sldId id="367" r:id="rId17"/>
-    <p:sldId id="747" r:id="rId18"/>
+    <p:sldId id="751" r:id="rId18"/>
+    <p:sldId id="747" r:id="rId19"/>
   </p:sldIdLst>
   <p:sldSz cx="12192000" cy="6858000"/>
   <p:notesSz cx="6858000" cy="9144000"/>
@@ -213,7 +214,7 @@
           <a:p>
             <a:fld id="{B1C6A539-A468-CE4A-854E-292D0F60238D}" type="datetimeFigureOut">
               <a:rPr lang="en-US" smtClean="0"/>
-              <a:t>1/1/26</a:t>
+              <a:t>1/29/26</a:t>
             </a:fld>
             <a:endParaRPr lang="en-US"/>
           </a:p>
@@ -711,7 +712,7 @@
           <a:p>
             <a:fld id="{5DCFC92B-4D29-114F-9428-921D03F740D4}" type="datetimeFigureOut">
               <a:rPr lang="en-US" smtClean="0"/>
-              <a:t>1/1/26</a:t>
+              <a:t>1/29/26</a:t>
             </a:fld>
             <a:endParaRPr lang="en-US"/>
           </a:p>
@@ -909,7 +910,7 @@
           <a:p>
             <a:fld id="{5DCFC92B-4D29-114F-9428-921D03F740D4}" type="datetimeFigureOut">
               <a:rPr lang="en-US" smtClean="0"/>
-              <a:t>1/1/26</a:t>
+              <a:t>1/29/26</a:t>
             </a:fld>
             <a:endParaRPr lang="en-US"/>
           </a:p>
@@ -1117,7 +1118,7 @@
           <a:p>
             <a:fld id="{5DCFC92B-4D29-114F-9428-921D03F740D4}" type="datetimeFigureOut">
               <a:rPr lang="en-US" smtClean="0"/>
-              <a:t>1/1/26</a:t>
+              <a:t>1/29/26</a:t>
             </a:fld>
             <a:endParaRPr lang="en-US"/>
           </a:p>
@@ -1315,7 +1316,7 @@
           <a:p>
             <a:fld id="{5DCFC92B-4D29-114F-9428-921D03F740D4}" type="datetimeFigureOut">
               <a:rPr lang="en-US" smtClean="0"/>
-              <a:t>1/1/26</a:t>
+              <a:t>1/29/26</a:t>
             </a:fld>
             <a:endParaRPr lang="en-US"/>
           </a:p>
@@ -1590,7 +1591,7 @@
           <a:p>
             <a:fld id="{5DCFC92B-4D29-114F-9428-921D03F740D4}" type="datetimeFigureOut">
               <a:rPr lang="en-US" smtClean="0"/>
-              <a:t>1/1/26</a:t>
+              <a:t>1/29/26</a:t>
             </a:fld>
             <a:endParaRPr lang="en-US"/>
           </a:p>
@@ -1855,7 +1856,7 @@
           <a:p>
             <a:fld id="{5DCFC92B-4D29-114F-9428-921D03F740D4}" type="datetimeFigureOut">
               <a:rPr lang="en-US" smtClean="0"/>
-              <a:t>1/1/26</a:t>
+              <a:t>1/29/26</a:t>
             </a:fld>
             <a:endParaRPr lang="en-US"/>
           </a:p>
@@ -2267,7 +2268,7 @@
           <a:p>
             <a:fld id="{5DCFC92B-4D29-114F-9428-921D03F740D4}" type="datetimeFigureOut">
               <a:rPr lang="en-US" smtClean="0"/>
-              <a:t>1/1/26</a:t>
+              <a:t>1/29/26</a:t>
             </a:fld>
             <a:endParaRPr lang="en-US"/>
           </a:p>
@@ -2408,7 +2409,7 @@
           <a:p>
             <a:fld id="{5DCFC92B-4D29-114F-9428-921D03F740D4}" type="datetimeFigureOut">
               <a:rPr lang="en-US" smtClean="0"/>
-              <a:t>1/1/26</a:t>
+              <a:t>1/29/26</a:t>
             </a:fld>
             <a:endParaRPr lang="en-US"/>
           </a:p>
@@ -2521,7 +2522,7 @@
           <a:p>
             <a:fld id="{5DCFC92B-4D29-114F-9428-921D03F740D4}" type="datetimeFigureOut">
               <a:rPr lang="en-US" smtClean="0"/>
-              <a:t>1/1/26</a:t>
+              <a:t>1/29/26</a:t>
             </a:fld>
             <a:endParaRPr lang="en-US"/>
           </a:p>
@@ -2832,7 +2833,7 @@
           <a:p>
             <a:fld id="{5DCFC92B-4D29-114F-9428-921D03F740D4}" type="datetimeFigureOut">
               <a:rPr lang="en-US" smtClean="0"/>
-              <a:t>1/1/26</a:t>
+              <a:t>1/29/26</a:t>
             </a:fld>
             <a:endParaRPr lang="en-US"/>
           </a:p>
@@ -3120,7 +3121,7 @@
           <a:p>
             <a:fld id="{5DCFC92B-4D29-114F-9428-921D03F740D4}" type="datetimeFigureOut">
               <a:rPr lang="en-US" smtClean="0"/>
-              <a:t>1/1/26</a:t>
+              <a:t>1/29/26</a:t>
             </a:fld>
             <a:endParaRPr lang="en-US"/>
           </a:p>
@@ -3361,7 +3362,7 @@
           <a:p>
             <a:fld id="{5DCFC92B-4D29-114F-9428-921D03F740D4}" type="datetimeFigureOut">
               <a:rPr lang="en-US" smtClean="0"/>
-              <a:t>1/1/26</a:t>
+              <a:t>1/29/26</a:t>
             </a:fld>
             <a:endParaRPr lang="en-US"/>
           </a:p>
@@ -6283,6 +6284,41 @@
           <a:p>
             <a:pPr algn="ctr"/>
             <a:endParaRPr lang="en-US"/>
+          </a:p>
+        </p:txBody>
+      </p:sp>
+      <p:sp>
+        <p:nvSpPr>
+          <p:cNvPr id="3" name="TextBox 2">
+            <a:extLst>
+              <a:ext uri="{FF2B5EF4-FFF2-40B4-BE49-F238E27FC236}">
+                <a16:creationId xmlns:a16="http://schemas.microsoft.com/office/drawing/2014/main" id="{D59C040D-7504-2F4B-8DC9-3D7C635C85B9}"/>
+              </a:ext>
+            </a:extLst>
+          </p:cNvPr>
+          <p:cNvSpPr txBox="1"/>
+          <p:nvPr/>
+        </p:nvSpPr>
+        <p:spPr>
+          <a:xfrm>
+            <a:off x="9708792" y="1484833"/>
+            <a:ext cx="1122167" cy="369332"/>
+          </a:xfrm>
+          <a:prstGeom prst="rect">
+            <a:avLst/>
+          </a:prstGeom>
+          <a:noFill/>
+        </p:spPr>
+        <p:txBody>
+          <a:bodyPr wrap="none" rtlCol="0">
+            <a:spAutoFit/>
+          </a:bodyPr>
+          <a:lstStyle/>
+          <a:p>
+            <a:r>
+              <a:rPr lang="en-US" dirty="0"/>
+              <a:t>perplexity</a:t>
+            </a:r>
           </a:p>
         </p:txBody>
       </p:sp>
@@ -13782,6 +13818,215 @@
   <p:cSld>
     <p:spTree>
       <p:nvGrpSpPr>
+        <p:cNvPr id="1" name=""/>
+        <p:cNvGrpSpPr/>
+        <p:nvPr/>
+      </p:nvGrpSpPr>
+      <p:grpSpPr>
+        <a:xfrm>
+          <a:off x="0" y="0"/>
+          <a:ext cx="0" cy="0"/>
+          <a:chOff x="0" y="0"/>
+          <a:chExt cx="0" cy="0"/>
+        </a:xfrm>
+      </p:grpSpPr>
+      <p:sp>
+        <p:nvSpPr>
+          <p:cNvPr id="2" name="Title 1">
+            <a:extLst>
+              <a:ext uri="{FF2B5EF4-FFF2-40B4-BE49-F238E27FC236}">
+                <a16:creationId xmlns:a16="http://schemas.microsoft.com/office/drawing/2014/main" id="{FFA595FB-D9FF-4D24-BF68-4103A5FC4D39}"/>
+              </a:ext>
+            </a:extLst>
+          </p:cNvPr>
+          <p:cNvSpPr>
+            <a:spLocks noGrp="1"/>
+          </p:cNvSpPr>
+          <p:nvPr>
+            <p:ph type="title"/>
+          </p:nvPr>
+        </p:nvSpPr>
+        <p:spPr/>
+        <p:txBody>
+          <a:bodyPr>
+            <a:normAutofit/>
+          </a:bodyPr>
+          <a:lstStyle/>
+          <a:p>
+            <a:r>
+              <a:rPr lang="en-US" sz="3200" dirty="0" err="1"/>
+              <a:t>tSNE</a:t>
+            </a:r>
+            <a:r>
+              <a:rPr lang="en-US" sz="3200" dirty="0"/>
+              <a:t> in practice is often combined with PCA</a:t>
+            </a:r>
+          </a:p>
+        </p:txBody>
+      </p:sp>
+      <p:sp>
+        <p:nvSpPr>
+          <p:cNvPr id="3" name="Content Placeholder 2">
+            <a:extLst>
+              <a:ext uri="{FF2B5EF4-FFF2-40B4-BE49-F238E27FC236}">
+                <a16:creationId xmlns:a16="http://schemas.microsoft.com/office/drawing/2014/main" id="{783103A6-502F-BBFB-ECAD-6CBCA3FF6069}"/>
+              </a:ext>
+            </a:extLst>
+          </p:cNvPr>
+          <p:cNvSpPr>
+            <a:spLocks noGrp="1"/>
+          </p:cNvSpPr>
+          <p:nvPr>
+            <p:ph sz="half" idx="1"/>
+          </p:nvPr>
+        </p:nvSpPr>
+        <p:spPr/>
+        <p:txBody>
+          <a:bodyPr/>
+          <a:lstStyle/>
+          <a:p>
+            <a:pPr marL="0" indent="0">
+              <a:buNone/>
+            </a:pPr>
+            <a:r>
+              <a:rPr lang="en-US" dirty="0"/>
+              <a:t>Gene expression -&gt; </a:t>
+            </a:r>
+            <a:r>
+              <a:rPr lang="en-US" dirty="0" err="1"/>
+              <a:t>tSNE</a:t>
+            </a:r>
+            <a:r>
+              <a:rPr lang="en-US" dirty="0"/>
+              <a:t> -&gt; PCA</a:t>
+            </a:r>
+          </a:p>
+        </p:txBody>
+      </p:sp>
+      <p:sp>
+        <p:nvSpPr>
+          <p:cNvPr id="5" name="Content Placeholder 4">
+            <a:extLst>
+              <a:ext uri="{FF2B5EF4-FFF2-40B4-BE49-F238E27FC236}">
+                <a16:creationId xmlns:a16="http://schemas.microsoft.com/office/drawing/2014/main" id="{08ABD16E-CFD3-C92C-B3B5-61060CD37E5E}"/>
+              </a:ext>
+            </a:extLst>
+          </p:cNvPr>
+          <p:cNvSpPr>
+            <a:spLocks noGrp="1"/>
+          </p:cNvSpPr>
+          <p:nvPr>
+            <p:ph sz="half" idx="2"/>
+          </p:nvPr>
+        </p:nvSpPr>
+        <p:spPr/>
+        <p:txBody>
+          <a:bodyPr/>
+          <a:lstStyle/>
+          <a:p>
+            <a:pPr marL="0" indent="0">
+              <a:buNone/>
+            </a:pPr>
+            <a:r>
+              <a:rPr lang="en-US" dirty="0"/>
+              <a:t>Gene expression -&gt; PCA -&gt; </a:t>
+            </a:r>
+            <a:r>
+              <a:rPr lang="en-US" dirty="0" err="1"/>
+              <a:t>tSNE</a:t>
+            </a:r>
+            <a:endParaRPr lang="en-US" dirty="0"/>
+          </a:p>
+        </p:txBody>
+      </p:sp>
+      <p:sp>
+        <p:nvSpPr>
+          <p:cNvPr id="4" name="Title 1">
+            <a:extLst>
+              <a:ext uri="{FF2B5EF4-FFF2-40B4-BE49-F238E27FC236}">
+                <a16:creationId xmlns:a16="http://schemas.microsoft.com/office/drawing/2014/main" id="{8C8929E5-7171-BDC7-9A69-895F39B65A2D}"/>
+              </a:ext>
+            </a:extLst>
+          </p:cNvPr>
+          <p:cNvSpPr txBox="1">
+            <a:spLocks/>
+          </p:cNvSpPr>
+          <p:nvPr/>
+        </p:nvSpPr>
+        <p:spPr>
+          <a:xfrm>
+            <a:off x="10197342" y="-622227"/>
+            <a:ext cx="2312915" cy="2312915"/>
+          </a:xfrm>
+          <a:prstGeom prst="ellipse">
+            <a:avLst/>
+          </a:prstGeom>
+          <a:solidFill>
+            <a:schemeClr val="accent2">
+              <a:lumMod val="75000"/>
+            </a:schemeClr>
+          </a:solidFill>
+          <a:ln w="31750" cap="sq">
+            <a:noFill/>
+            <a:miter lim="800000"/>
+          </a:ln>
+        </p:spPr>
+        <p:txBody>
+          <a:bodyPr vert="horz" lIns="182880" tIns="182880" rIns="182880" bIns="182880" rtlCol="0" anchor="ctr">
+            <a:noAutofit/>
+          </a:bodyPr>
+          <a:lstStyle>
+            <a:lvl1pPr algn="ctr" defTabSz="914400" rtl="0" eaLnBrk="1" latinLnBrk="0" hangingPunct="1">
+              <a:lnSpc>
+                <a:spcPct val="90000"/>
+              </a:lnSpc>
+              <a:spcBef>
+                <a:spcPct val="0"/>
+              </a:spcBef>
+              <a:buNone/>
+              <a:defRPr sz="2800" kern="1200" cap="all" spc="200" baseline="0">
+                <a:solidFill>
+                  <a:schemeClr val="tx1">
+                    <a:lumMod val="85000"/>
+                    <a:lumOff val="15000"/>
+                  </a:schemeClr>
+                </a:solidFill>
+                <a:latin typeface="+mj-lt"/>
+                <a:ea typeface="+mj-ea"/>
+                <a:cs typeface="+mj-cs"/>
+              </a:defRPr>
+            </a:lvl1pPr>
+          </a:lstStyle>
+          <a:p>
+            <a:r>
+              <a:rPr lang="en-US" sz="1400" dirty="0">
+                <a:solidFill>
+                  <a:srgbClr val="FFFFFF"/>
+                </a:solidFill>
+              </a:rPr>
+              <a:t>Practice</a:t>
+            </a:r>
+          </a:p>
+        </p:txBody>
+      </p:sp>
+    </p:spTree>
+    <p:extLst>
+      <p:ext uri="{BB962C8B-B14F-4D97-AF65-F5344CB8AC3E}">
+        <p14:creationId xmlns:p14="http://schemas.microsoft.com/office/powerpoint/2010/main" val="901933739"/>
+      </p:ext>
+    </p:extLst>
+  </p:cSld>
+  <p:clrMapOvr>
+    <a:masterClrMapping/>
+  </p:clrMapOvr>
+</p:sld>
+</file>
+
+<file path=ppt/slides/slide18.xml><?xml version="1.0" encoding="utf-8"?>
+<p:sld xmlns:a="http://schemas.openxmlformats.org/drawingml/2006/main" xmlns:r="http://schemas.openxmlformats.org/officeDocument/2006/relationships" xmlns:p="http://schemas.openxmlformats.org/presentationml/2006/main">
+  <p:cSld>
+    <p:spTree>
+      <p:nvGrpSpPr>
         <p:cNvPr id="1" name="">
           <a:extLst>
             <a:ext uri="{FF2B5EF4-FFF2-40B4-BE49-F238E27FC236}">
